--- a/Presentation/Building Resilient Applications with Polly.pptx
+++ b/Presentation/Building Resilient Applications with Polly.pptx
@@ -7,9 +7,10 @@
   <p:sldIdLst>
     <p:sldId id="256" r:id="rId2"/>
     <p:sldId id="257" r:id="rId3"/>
-    <p:sldId id="258" r:id="rId4"/>
-    <p:sldId id="259" r:id="rId5"/>
-    <p:sldId id="260" r:id="rId6"/>
+    <p:sldId id="261" r:id="rId4"/>
+    <p:sldId id="258" r:id="rId5"/>
+    <p:sldId id="259" r:id="rId6"/>
+    <p:sldId id="260" r:id="rId7"/>
   </p:sldIdLst>
   <p:sldSz cx="12192000" cy="6858000"/>
   <p:notesSz cx="6858000" cy="9144000"/>
@@ -7314,7 +7315,7 @@
           <p:cNvPr id="2" name="Title 1">
             <a:extLst>
               <a:ext uri="{FF2B5EF4-FFF2-40B4-BE49-F238E27FC236}">
-                <a16:creationId xmlns:a16="http://schemas.microsoft.com/office/drawing/2014/main" id="{BE57F005-BEED-EE87-13CB-EDD2950B7A01}"/>
+                <a16:creationId xmlns:a16="http://schemas.microsoft.com/office/drawing/2014/main" id="{24FEB2D2-AA4F-CA50-D8BF-8DAE6CA4060B}"/>
               </a:ext>
             </a:extLst>
           </p:cNvPr>
@@ -7332,88 +7333,62 @@
           <a:p>
             <a:r>
               <a:rPr lang="en-AU" dirty="0"/>
-              <a:t>Types of Polly Policies</a:t>
-            </a:r>
-          </a:p>
-        </p:txBody>
-      </p:sp>
-      <p:sp>
-        <p:nvSpPr>
-          <p:cNvPr id="3" name="Content Placeholder 2">
-            <a:extLst>
-              <a:ext uri="{FF2B5EF4-FFF2-40B4-BE49-F238E27FC236}">
-                <a16:creationId xmlns:a16="http://schemas.microsoft.com/office/drawing/2014/main" id="{CA1F0AEB-9F13-BA62-A3CA-8EA8A2858B8C}"/>
-              </a:ext>
-            </a:extLst>
-          </p:cNvPr>
-          <p:cNvSpPr>
-            <a:spLocks noGrp="1"/>
-          </p:cNvSpPr>
-          <p:nvPr>
-            <p:ph idx="1"/>
-          </p:nvPr>
-        </p:nvSpPr>
-        <p:spPr/>
-        <p:txBody>
-          <a:bodyPr/>
-          <a:lstStyle/>
-          <a:p>
-            <a:r>
-              <a:rPr lang="en-AU" dirty="0"/>
-              <a:t>Retry - Allows configuring automatic retries.</a:t>
-            </a:r>
-          </a:p>
-          <a:p>
-            <a:r>
-              <a:rPr lang="en-AU" dirty="0"/>
-              <a:t>Circuit-breaker - </a:t>
-            </a:r>
-            <a:r>
-              <a:rPr lang="en-US" dirty="0"/>
-              <a:t>Breaks the circuit (blocks executions) for a period, when faults exceed some pre-configured threshold.</a:t>
-            </a:r>
-          </a:p>
-          <a:p>
-            <a:r>
-              <a:rPr lang="en-AU" dirty="0"/>
-              <a:t>Timeout - </a:t>
-            </a:r>
-            <a:r>
-              <a:rPr lang="en-US" dirty="0"/>
-              <a:t>Guarantees the caller won't have to wait beyond the timeout.</a:t>
-            </a:r>
-          </a:p>
-          <a:p>
-            <a:r>
-              <a:rPr lang="en-AU" dirty="0"/>
-              <a:t>Bulkhead Isolation - </a:t>
-            </a:r>
-            <a:r>
-              <a:rPr lang="en-US" dirty="0"/>
-              <a:t>Constrains the governed actions to a fixed-size resource pool, isolating their potential to affect others.</a:t>
-            </a:r>
-          </a:p>
-          <a:p>
-            <a:r>
-              <a:rPr lang="en-US" dirty="0"/>
-              <a:t>Rate-limit - Constrains executions to not exceed a certain rate.</a:t>
-            </a:r>
-          </a:p>
-          <a:p>
-            <a:endParaRPr lang="en-US" dirty="0"/>
-          </a:p>
-          <a:p>
-            <a:endParaRPr lang="en-US" dirty="0"/>
-          </a:p>
-          <a:p>
-            <a:endParaRPr lang="en-AU" dirty="0"/>
-          </a:p>
-        </p:txBody>
-      </p:sp>
+              <a:t>Example</a:t>
+            </a:r>
+          </a:p>
+        </p:txBody>
+      </p:sp>
+      <p:pic>
+        <p:nvPicPr>
+          <p:cNvPr id="1026" name="Picture 2">
+            <a:extLst>
+              <a:ext uri="{FF2B5EF4-FFF2-40B4-BE49-F238E27FC236}">
+                <a16:creationId xmlns:a16="http://schemas.microsoft.com/office/drawing/2014/main" id="{ED5D8776-5ADD-BFDD-70AB-7EDA941C5AC4}"/>
+              </a:ext>
+            </a:extLst>
+          </p:cNvPr>
+          <p:cNvPicPr>
+            <a:picLocks noChangeAspect="1" noChangeArrowheads="1"/>
+          </p:cNvPicPr>
+          <p:nvPr/>
+        </p:nvPicPr>
+        <p:blipFill>
+          <a:blip r:embed="rId2">
+            <a:extLst>
+              <a:ext uri="{28A0092B-C50C-407E-A947-70E740481C1C}">
+                <a14:useLocalDpi xmlns:a14="http://schemas.microsoft.com/office/drawing/2010/main" val="0"/>
+              </a:ext>
+            </a:extLst>
+          </a:blip>
+          <a:srcRect/>
+          <a:stretch>
+            <a:fillRect/>
+          </a:stretch>
+        </p:blipFill>
+        <p:spPr bwMode="auto">
+          <a:xfrm>
+            <a:off x="525517" y="2536278"/>
+            <a:ext cx="9525000" cy="4000500"/>
+          </a:xfrm>
+          <a:prstGeom prst="rect">
+            <a:avLst/>
+          </a:prstGeom>
+          <a:noFill/>
+          <a:extLst>
+            <a:ext uri="{909E8E84-426E-40DD-AFC4-6F175D3DCCD1}">
+              <a14:hiddenFill xmlns:a14="http://schemas.microsoft.com/office/drawing/2010/main">
+                <a:solidFill>
+                  <a:srgbClr val="FFFFFF"/>
+                </a:solidFill>
+              </a14:hiddenFill>
+            </a:ext>
+          </a:extLst>
+        </p:spPr>
+      </p:pic>
     </p:spTree>
     <p:extLst>
       <p:ext uri="{BB962C8B-B14F-4D97-AF65-F5344CB8AC3E}">
-        <p14:creationId xmlns:p14="http://schemas.microsoft.com/office/powerpoint/2010/main" val="1973948960"/>
+        <p14:creationId xmlns:p14="http://schemas.microsoft.com/office/powerpoint/2010/main" val="3121906054"/>
       </p:ext>
     </p:extLst>
   </p:cSld>
@@ -7445,7 +7420,7 @@
           <p:cNvPr id="2" name="Title 1">
             <a:extLst>
               <a:ext uri="{FF2B5EF4-FFF2-40B4-BE49-F238E27FC236}">
-                <a16:creationId xmlns:a16="http://schemas.microsoft.com/office/drawing/2014/main" id="{506329B7-18D0-97D9-87E4-25DF4FA646E0}"/>
+                <a16:creationId xmlns:a16="http://schemas.microsoft.com/office/drawing/2014/main" id="{BE57F005-BEED-EE87-13CB-EDD2950B7A01}"/>
               </a:ext>
             </a:extLst>
           </p:cNvPr>
@@ -7473,7 +7448,7 @@
           <p:cNvPr id="3" name="Content Placeholder 2">
             <a:extLst>
               <a:ext uri="{FF2B5EF4-FFF2-40B4-BE49-F238E27FC236}">
-                <a16:creationId xmlns:a16="http://schemas.microsoft.com/office/drawing/2014/main" id="{3ABE3403-2716-945E-6269-75CFCB8D5DFF}"/>
+                <a16:creationId xmlns:a16="http://schemas.microsoft.com/office/drawing/2014/main" id="{CA1F0AEB-9F13-BA62-A3CA-8EA8A2858B8C}"/>
               </a:ext>
             </a:extLst>
           </p:cNvPr>
@@ -7491,38 +7466,52 @@
           <a:p>
             <a:r>
               <a:rPr lang="en-AU" dirty="0"/>
-              <a:t>Cache - </a:t>
+              <a:t>Retry - Allows configuring automatic retries.</a:t>
+            </a:r>
+          </a:p>
+          <a:p>
+            <a:r>
+              <a:rPr lang="en-AU" dirty="0"/>
+              <a:t>Circuit-breaker - </a:t>
             </a:r>
             <a:r>
               <a:rPr lang="en-US" dirty="0"/>
-              <a:t>Provides a response from cache if known. Stores responses automatically in cache, when first retrieved.</a:t>
-            </a:r>
-          </a:p>
-          <a:p>
+              <a:t>Breaks the circuit (blocks executions) for a period, when faults exceed some pre-configured threshold.</a:t>
+            </a:r>
+          </a:p>
+          <a:p>
+            <a:r>
+              <a:rPr lang="en-AU" dirty="0"/>
+              <a:t>Timeout - </a:t>
+            </a:r>
             <a:r>
               <a:rPr lang="en-US" dirty="0"/>
-              <a:t>Fallback - Defines an alternative value to be returned (or action to be executed) on failure.</a:t>
-            </a:r>
-          </a:p>
-          <a:p>
-            <a:r>
-              <a:rPr lang="en-US" dirty="0" err="1"/>
-              <a:t>PolicyWrap</a:t>
+              <a:t>Guarantees the caller won't have to wait beyond the timeout.</a:t>
+            </a:r>
+          </a:p>
+          <a:p>
+            <a:r>
+              <a:rPr lang="en-AU" dirty="0"/>
+              <a:t>Bulkhead Isolation - </a:t>
             </a:r>
             <a:r>
               <a:rPr lang="en-US" dirty="0"/>
-              <a:t> - Allows any of the above policies to be combined flexibly.</a:t>
-            </a:r>
-            <a:br>
+              <a:t>Constrains the governed actions to a fixed-size resource pool, isolating their potential to affect others.</a:t>
+            </a:r>
+          </a:p>
+          <a:p>
+            <a:r>
               <a:rPr lang="en-US" dirty="0"/>
-            </a:br>
-            <a:br>
-              <a:rPr lang="en-US" dirty="0"/>
-            </a:br>
-            <a:r>
-              <a:rPr lang="en-US" dirty="0"/>
-              <a:t>See more at: https://github.com/App-vNext/Polly</a:t>
-            </a:r>
+              <a:t>Rate-limit - Constrains executions to not exceed a certain rate.</a:t>
+            </a:r>
+          </a:p>
+          <a:p>
+            <a:endParaRPr lang="en-US" dirty="0"/>
+          </a:p>
+          <a:p>
+            <a:endParaRPr lang="en-US" dirty="0"/>
+          </a:p>
+          <a:p>
             <a:endParaRPr lang="en-AU" dirty="0"/>
           </a:p>
         </p:txBody>
@@ -7530,7 +7519,7 @@
     </p:spTree>
     <p:extLst>
       <p:ext uri="{BB962C8B-B14F-4D97-AF65-F5344CB8AC3E}">
-        <p14:creationId xmlns:p14="http://schemas.microsoft.com/office/powerpoint/2010/main" val="470791590"/>
+        <p14:creationId xmlns:p14="http://schemas.microsoft.com/office/powerpoint/2010/main" val="1973948960"/>
       </p:ext>
     </p:extLst>
   </p:cSld>
@@ -7562,7 +7551,7 @@
           <p:cNvPr id="2" name="Title 1">
             <a:extLst>
               <a:ext uri="{FF2B5EF4-FFF2-40B4-BE49-F238E27FC236}">
-                <a16:creationId xmlns:a16="http://schemas.microsoft.com/office/drawing/2014/main" id="{7500DDBF-4619-02CC-5948-25555DB415E5}"/>
+                <a16:creationId xmlns:a16="http://schemas.microsoft.com/office/drawing/2014/main" id="{506329B7-18D0-97D9-87E4-25DF4FA646E0}"/>
               </a:ext>
             </a:extLst>
           </p:cNvPr>
@@ -7580,7 +7569,7 @@
           <a:p>
             <a:r>
               <a:rPr lang="en-AU" dirty="0"/>
-              <a:t>Demo</a:t>
+              <a:t>Types of Polly Policies</a:t>
             </a:r>
           </a:p>
         </p:txBody>
@@ -7590,7 +7579,7 @@
           <p:cNvPr id="3" name="Content Placeholder 2">
             <a:extLst>
               <a:ext uri="{FF2B5EF4-FFF2-40B4-BE49-F238E27FC236}">
-                <a16:creationId xmlns:a16="http://schemas.microsoft.com/office/drawing/2014/main" id="{841B96E5-587B-03BB-BC43-F45E1FE3DE29}"/>
+                <a16:creationId xmlns:a16="http://schemas.microsoft.com/office/drawing/2014/main" id="{3ABE3403-2716-945E-6269-75CFCB8D5DFF}"/>
               </a:ext>
             </a:extLst>
           </p:cNvPr>
@@ -7608,6 +7597,123 @@
           <a:p>
             <a:r>
               <a:rPr lang="en-AU" dirty="0"/>
+              <a:t>Cache - </a:t>
+            </a:r>
+            <a:r>
+              <a:rPr lang="en-US" dirty="0"/>
+              <a:t>Provides a response from cache if known. Stores responses automatically in cache, when first retrieved.</a:t>
+            </a:r>
+          </a:p>
+          <a:p>
+            <a:r>
+              <a:rPr lang="en-US" dirty="0"/>
+              <a:t>Fallback - Defines an alternative value to be returned (or action to be executed) on failure.</a:t>
+            </a:r>
+          </a:p>
+          <a:p>
+            <a:r>
+              <a:rPr lang="en-US" dirty="0" err="1"/>
+              <a:t>PolicyWrap</a:t>
+            </a:r>
+            <a:r>
+              <a:rPr lang="en-US" dirty="0"/>
+              <a:t> - Allows any of the above policies to be combined flexibly.</a:t>
+            </a:r>
+            <a:br>
+              <a:rPr lang="en-US" dirty="0"/>
+            </a:br>
+            <a:br>
+              <a:rPr lang="en-US" dirty="0"/>
+            </a:br>
+            <a:r>
+              <a:rPr lang="en-US" dirty="0"/>
+              <a:t>See more at: https://github.com/App-vNext/Polly</a:t>
+            </a:r>
+            <a:endParaRPr lang="en-AU" dirty="0"/>
+          </a:p>
+        </p:txBody>
+      </p:sp>
+    </p:spTree>
+    <p:extLst>
+      <p:ext uri="{BB962C8B-B14F-4D97-AF65-F5344CB8AC3E}">
+        <p14:creationId xmlns:p14="http://schemas.microsoft.com/office/powerpoint/2010/main" val="470791590"/>
+      </p:ext>
+    </p:extLst>
+  </p:cSld>
+  <p:clrMapOvr>
+    <a:masterClrMapping/>
+  </p:clrMapOvr>
+</p:sld>
+</file>
+
+<file path=ppt/slides/slide6.xml><?xml version="1.0" encoding="utf-8"?>
+<p:sld xmlns:a="http://schemas.openxmlformats.org/drawingml/2006/main" xmlns:r="http://schemas.openxmlformats.org/officeDocument/2006/relationships" xmlns:p="http://schemas.openxmlformats.org/presentationml/2006/main">
+  <p:cSld>
+    <p:spTree>
+      <p:nvGrpSpPr>
+        <p:cNvPr id="1" name=""/>
+        <p:cNvGrpSpPr/>
+        <p:nvPr/>
+      </p:nvGrpSpPr>
+      <p:grpSpPr>
+        <a:xfrm>
+          <a:off x="0" y="0"/>
+          <a:ext cx="0" cy="0"/>
+          <a:chOff x="0" y="0"/>
+          <a:chExt cx="0" cy="0"/>
+        </a:xfrm>
+      </p:grpSpPr>
+      <p:sp>
+        <p:nvSpPr>
+          <p:cNvPr id="2" name="Title 1">
+            <a:extLst>
+              <a:ext uri="{FF2B5EF4-FFF2-40B4-BE49-F238E27FC236}">
+                <a16:creationId xmlns:a16="http://schemas.microsoft.com/office/drawing/2014/main" id="{7500DDBF-4619-02CC-5948-25555DB415E5}"/>
+              </a:ext>
+            </a:extLst>
+          </p:cNvPr>
+          <p:cNvSpPr>
+            <a:spLocks noGrp="1"/>
+          </p:cNvSpPr>
+          <p:nvPr>
+            <p:ph type="title"/>
+          </p:nvPr>
+        </p:nvSpPr>
+        <p:spPr/>
+        <p:txBody>
+          <a:bodyPr/>
+          <a:lstStyle/>
+          <a:p>
+            <a:r>
+              <a:rPr lang="en-AU" dirty="0"/>
+              <a:t>Demo</a:t>
+            </a:r>
+          </a:p>
+        </p:txBody>
+      </p:sp>
+      <p:sp>
+        <p:nvSpPr>
+          <p:cNvPr id="3" name="Content Placeholder 2">
+            <a:extLst>
+              <a:ext uri="{FF2B5EF4-FFF2-40B4-BE49-F238E27FC236}">
+                <a16:creationId xmlns:a16="http://schemas.microsoft.com/office/drawing/2014/main" id="{841B96E5-587B-03BB-BC43-F45E1FE3DE29}"/>
+              </a:ext>
+            </a:extLst>
+          </p:cNvPr>
+          <p:cNvSpPr>
+            <a:spLocks noGrp="1"/>
+          </p:cNvSpPr>
+          <p:nvPr>
+            <p:ph idx="1"/>
+          </p:nvPr>
+        </p:nvSpPr>
+        <p:spPr/>
+        <p:txBody>
+          <a:bodyPr/>
+          <a:lstStyle/>
+          <a:p>
+            <a:r>
+              <a:rPr lang="en-AU" dirty="0"/>
               <a:t>The demo has 2 projects:</a:t>
             </a:r>
           </a:p>
@@ -7652,11 +7758,7 @@
             </a:r>
             <a:r>
               <a:rPr lang="en-AU" dirty="0"/>
-              <a:t> </a:t>
-            </a:r>
-            <a:r>
-              <a:rPr lang="en-AU"/>
-              <a:t>– unreliable</a:t>
+              <a:t> – unreliable</a:t>
             </a:r>
           </a:p>
           <a:p>
